--- a/public/archivos_upload/ficha_mesaayuda.pptx
+++ b/public/archivos_upload/ficha_mesaayuda.pptx
@@ -115,18 +115,7 @@
   </p:defaultTextStyle>
   <p:extLst>
     <p:ext uri="{EFAFB233-063F-42B5-8137-9DF3F51BA10A}">
-      <p15:sldGuideLst xmlns:p15="http://schemas.microsoft.com/office/powerpoint/2012/main">
-        <p15:guide id="1" orient="horz" pos="2160">
-          <p15:clr>
-            <a:srgbClr val="A4A3A4"/>
-          </p15:clr>
-        </p15:guide>
-        <p15:guide id="2" pos="3840">
-          <p15:clr>
-            <a:srgbClr val="A4A3A4"/>
-          </p15:clr>
-        </p15:guide>
-      </p15:sldGuideLst>
+      <p15:sldGuideLst xmlns="" xmlns:p15="http://schemas.microsoft.com/office/powerpoint/2012/main"/>
     </p:ext>
   </p:extLst>
 </p:presentation>
@@ -214,7 +203,7 @@
           <a:p>
             <a:fld id="{EEE235F2-F979-47E6-925A-CFD8C61C561D}" type="datetimeFigureOut">
               <a:rPr lang="es-CL" smtClean="0"/>
-              <a:t>18-04-2019</a:t>
+              <a:t>16-04-2019</a:t>
             </a:fld>
             <a:endParaRPr lang="es-CL"/>
           </a:p>
@@ -697,7 +686,7 @@
           <a:p>
             <a:fld id="{689BED61-E273-467B-AA61-DB1DEE775923}" type="datetimeFigureOut">
               <a:rPr lang="es-CL" smtClean="0"/>
-              <a:t>18-04-2019</a:t>
+              <a:t>16-04-2019</a:t>
             </a:fld>
             <a:endParaRPr lang="es-CL"/>
           </a:p>
@@ -867,7 +856,7 @@
           <a:p>
             <a:fld id="{689BED61-E273-467B-AA61-DB1DEE775923}" type="datetimeFigureOut">
               <a:rPr lang="es-CL" smtClean="0"/>
-              <a:t>18-04-2019</a:t>
+              <a:t>16-04-2019</a:t>
             </a:fld>
             <a:endParaRPr lang="es-CL"/>
           </a:p>
@@ -1047,7 +1036,7 @@
           <a:p>
             <a:fld id="{689BED61-E273-467B-AA61-DB1DEE775923}" type="datetimeFigureOut">
               <a:rPr lang="es-CL" smtClean="0"/>
-              <a:t>18-04-2019</a:t>
+              <a:t>16-04-2019</a:t>
             </a:fld>
             <a:endParaRPr lang="es-CL"/>
           </a:p>
@@ -1239,7 +1228,7 @@
           <a:p>
             <a:fld id="{689BED61-E273-467B-AA61-DB1DEE775923}" type="datetimeFigureOut">
               <a:rPr lang="es-CL" smtClean="0"/>
-              <a:t>18-04-2019</a:t>
+              <a:t>16-04-2019</a:t>
             </a:fld>
             <a:endParaRPr lang="es-CL"/>
           </a:p>
@@ -1409,7 +1398,7 @@
           <a:p>
             <a:fld id="{689BED61-E273-467B-AA61-DB1DEE775923}" type="datetimeFigureOut">
               <a:rPr lang="es-CL" smtClean="0"/>
-              <a:t>18-04-2019</a:t>
+              <a:t>16-04-2019</a:t>
             </a:fld>
             <a:endParaRPr lang="es-CL"/>
           </a:p>
@@ -1655,7 +1644,7 @@
           <a:p>
             <a:fld id="{689BED61-E273-467B-AA61-DB1DEE775923}" type="datetimeFigureOut">
               <a:rPr lang="es-CL" smtClean="0"/>
-              <a:t>18-04-2019</a:t>
+              <a:t>16-04-2019</a:t>
             </a:fld>
             <a:endParaRPr lang="es-CL"/>
           </a:p>
@@ -1887,7 +1876,7 @@
           <a:p>
             <a:fld id="{689BED61-E273-467B-AA61-DB1DEE775923}" type="datetimeFigureOut">
               <a:rPr lang="es-CL" smtClean="0"/>
-              <a:t>18-04-2019</a:t>
+              <a:t>16-04-2019</a:t>
             </a:fld>
             <a:endParaRPr lang="es-CL"/>
           </a:p>
@@ -2254,7 +2243,7 @@
           <a:p>
             <a:fld id="{689BED61-E273-467B-AA61-DB1DEE775923}" type="datetimeFigureOut">
               <a:rPr lang="es-CL" smtClean="0"/>
-              <a:t>18-04-2019</a:t>
+              <a:t>16-04-2019</a:t>
             </a:fld>
             <a:endParaRPr lang="es-CL"/>
           </a:p>
@@ -2372,7 +2361,7 @@
           <a:p>
             <a:fld id="{689BED61-E273-467B-AA61-DB1DEE775923}" type="datetimeFigureOut">
               <a:rPr lang="es-CL" smtClean="0"/>
-              <a:t>18-04-2019</a:t>
+              <a:t>16-04-2019</a:t>
             </a:fld>
             <a:endParaRPr lang="es-CL"/>
           </a:p>
@@ -2467,7 +2456,7 @@
           <a:p>
             <a:fld id="{689BED61-E273-467B-AA61-DB1DEE775923}" type="datetimeFigureOut">
               <a:rPr lang="es-CL" smtClean="0"/>
-              <a:t>18-04-2019</a:t>
+              <a:t>16-04-2019</a:t>
             </a:fld>
             <a:endParaRPr lang="es-CL"/>
           </a:p>
@@ -2744,7 +2733,7 @@
           <a:p>
             <a:fld id="{689BED61-E273-467B-AA61-DB1DEE775923}" type="datetimeFigureOut">
               <a:rPr lang="es-CL" smtClean="0"/>
-              <a:t>18-04-2019</a:t>
+              <a:t>16-04-2019</a:t>
             </a:fld>
             <a:endParaRPr lang="es-CL"/>
           </a:p>
@@ -2914,7 +2903,7 @@
           <a:p>
             <a:fld id="{689BED61-E273-467B-AA61-DB1DEE775923}" type="datetimeFigureOut">
               <a:rPr lang="es-CL" smtClean="0"/>
-              <a:t>18-04-2019</a:t>
+              <a:t>16-04-2019</a:t>
             </a:fld>
             <a:endParaRPr lang="es-CL"/>
           </a:p>
@@ -3167,7 +3156,7 @@
           <a:p>
             <a:fld id="{689BED61-E273-467B-AA61-DB1DEE775923}" type="datetimeFigureOut">
               <a:rPr lang="es-CL" smtClean="0"/>
-              <a:t>18-04-2019</a:t>
+              <a:t>16-04-2019</a:t>
             </a:fld>
             <a:endParaRPr lang="es-CL"/>
           </a:p>
@@ -3337,7 +3326,7 @@
           <a:p>
             <a:fld id="{689BED61-E273-467B-AA61-DB1DEE775923}" type="datetimeFigureOut">
               <a:rPr lang="es-CL" smtClean="0"/>
-              <a:t>18-04-2019</a:t>
+              <a:t>16-04-2019</a:t>
             </a:fld>
             <a:endParaRPr lang="es-CL"/>
           </a:p>
@@ -3517,7 +3506,7 @@
           <a:p>
             <a:fld id="{689BED61-E273-467B-AA61-DB1DEE775923}" type="datetimeFigureOut">
               <a:rPr lang="es-CL" smtClean="0"/>
-              <a:t>18-04-2019</a:t>
+              <a:t>16-04-2019</a:t>
             </a:fld>
             <a:endParaRPr lang="es-CL"/>
           </a:p>
@@ -3763,7 +3752,7 @@
           <a:p>
             <a:fld id="{689BED61-E273-467B-AA61-DB1DEE775923}" type="datetimeFigureOut">
               <a:rPr lang="es-CL" smtClean="0"/>
-              <a:t>18-04-2019</a:t>
+              <a:t>16-04-2019</a:t>
             </a:fld>
             <a:endParaRPr lang="es-CL"/>
           </a:p>
@@ -3995,7 +3984,7 @@
           <a:p>
             <a:fld id="{689BED61-E273-467B-AA61-DB1DEE775923}" type="datetimeFigureOut">
               <a:rPr lang="es-CL" smtClean="0"/>
-              <a:t>18-04-2019</a:t>
+              <a:t>16-04-2019</a:t>
             </a:fld>
             <a:endParaRPr lang="es-CL"/>
           </a:p>
@@ -4362,7 +4351,7 @@
           <a:p>
             <a:fld id="{689BED61-E273-467B-AA61-DB1DEE775923}" type="datetimeFigureOut">
               <a:rPr lang="es-CL" smtClean="0"/>
-              <a:t>18-04-2019</a:t>
+              <a:t>16-04-2019</a:t>
             </a:fld>
             <a:endParaRPr lang="es-CL"/>
           </a:p>
@@ -4480,7 +4469,7 @@
           <a:p>
             <a:fld id="{689BED61-E273-467B-AA61-DB1DEE775923}" type="datetimeFigureOut">
               <a:rPr lang="es-CL" smtClean="0"/>
-              <a:t>18-04-2019</a:t>
+              <a:t>16-04-2019</a:t>
             </a:fld>
             <a:endParaRPr lang="es-CL"/>
           </a:p>
@@ -4575,7 +4564,7 @@
           <a:p>
             <a:fld id="{689BED61-E273-467B-AA61-DB1DEE775923}" type="datetimeFigureOut">
               <a:rPr lang="es-CL" smtClean="0"/>
-              <a:t>18-04-2019</a:t>
+              <a:t>16-04-2019</a:t>
             </a:fld>
             <a:endParaRPr lang="es-CL"/>
           </a:p>
@@ -4852,7 +4841,7 @@
           <a:p>
             <a:fld id="{689BED61-E273-467B-AA61-DB1DEE775923}" type="datetimeFigureOut">
               <a:rPr lang="es-CL" smtClean="0"/>
-              <a:t>18-04-2019</a:t>
+              <a:t>16-04-2019</a:t>
             </a:fld>
             <a:endParaRPr lang="es-CL"/>
           </a:p>
@@ -5105,7 +5094,7 @@
           <a:p>
             <a:fld id="{689BED61-E273-467B-AA61-DB1DEE775923}" type="datetimeFigureOut">
               <a:rPr lang="es-CL" smtClean="0"/>
-              <a:t>18-04-2019</a:t>
+              <a:t>16-04-2019</a:t>
             </a:fld>
             <a:endParaRPr lang="es-CL"/>
           </a:p>
@@ -5318,7 +5307,7 @@
           <a:p>
             <a:fld id="{689BED61-E273-467B-AA61-DB1DEE775923}" type="datetimeFigureOut">
               <a:rPr lang="es-CL" smtClean="0"/>
-              <a:t>18-04-2019</a:t>
+              <a:t>16-04-2019</a:t>
             </a:fld>
             <a:endParaRPr lang="es-CL"/>
           </a:p>
@@ -5858,7 +5847,7 @@
           <a:p>
             <a:fld id="{689BED61-E273-467B-AA61-DB1DEE775923}" type="datetimeFigureOut">
               <a:rPr lang="es-CL" smtClean="0"/>
-              <a:t>18-04-2019</a:t>
+              <a:t>16-04-2019</a:t>
             </a:fld>
             <a:endParaRPr lang="es-CL"/>
           </a:p>
@@ -6331,10 +6320,10 @@
                   </a:schemeClr>
                 </a:solidFill>
               </a:rPr>
-              <a:t>Implementación </a:t>
-            </a:r>
-            <a:r>
-              <a:rPr lang="es-CL" sz="4400" b="1" dirty="0">
+              <a:t>Impulsos Estratégicos</a:t>
+            </a:r>
+            <a:br>
+              <a:rPr lang="es-CL" sz="4400" b="1" dirty="0" smtClean="0">
                 <a:solidFill>
                   <a:schemeClr val="tx1">
                     <a:lumMod val="65000"/>
@@ -6342,10 +6331,9 @@
                   </a:schemeClr>
                 </a:solidFill>
               </a:rPr>
-              <a:t>de Sistema de Gestión Mesa de Ayuda</a:t>
-            </a:r>
-            <a:br>
-              <a:rPr lang="es-CL" sz="4400" b="1" dirty="0">
+            </a:br>
+            <a:r>
+              <a:rPr lang="es-CL" sz="2800" b="1" dirty="0" smtClean="0">
                 <a:solidFill>
                   <a:schemeClr val="tx1">
                     <a:lumMod val="65000"/>
@@ -6353,17 +6341,7 @@
                   </a:schemeClr>
                 </a:solidFill>
               </a:rPr>
-            </a:br>
-            <a:r>
-              <a:rPr lang="es-CL" sz="2800" b="1" dirty="0" smtClean="0">
-                <a:solidFill>
-                  <a:schemeClr val="tx1">
-                    <a:lumMod val="65000"/>
-                    <a:lumOff val="35000"/>
-                  </a:schemeClr>
-                </a:solidFill>
-              </a:rPr>
-              <a:t>Abril - 2019</a:t>
+              <a:t>Mar - 2019</a:t>
             </a:r>
             <a:endParaRPr lang="es-CL" sz="2800" b="1" dirty="0">
               <a:solidFill>
@@ -7590,36 +7568,6 @@
           </a:p>
         </p:txBody>
       </p:sp>
-      <p:pic>
-        <p:nvPicPr>
-          <p:cNvPr id="2" name="Imagen 1"/>
-          <p:cNvPicPr>
-            <a:picLocks noChangeAspect="1"/>
-          </p:cNvPicPr>
-          <p:nvPr/>
-        </p:nvPicPr>
-        <p:blipFill>
-          <a:blip r:embed="rId2" cstate="print">
-            <a:extLst>
-              <a:ext uri="{28A0092B-C50C-407E-A947-70E740481C1C}">
-                <a14:useLocalDpi xmlns:a14="http://schemas.microsoft.com/office/drawing/2010/main" val="0"/>
-              </a:ext>
-            </a:extLst>
-          </a:blip>
-          <a:stretch>
-            <a:fillRect/>
-          </a:stretch>
-        </p:blipFill>
-        <p:spPr>
-          <a:xfrm>
-            <a:off x="8436134" y="1856681"/>
-            <a:ext cx="2263711" cy="1902279"/>
-          </a:xfrm>
-          <a:prstGeom prst="rect">
-            <a:avLst/>
-          </a:prstGeom>
-        </p:spPr>
-      </p:pic>
     </p:spTree>
     <p:extLst>
       <p:ext uri="{BB962C8B-B14F-4D97-AF65-F5344CB8AC3E}">
@@ -8431,7 +8379,7 @@
           <p:nvPr>
             <p:extLst>
               <p:ext uri="{D42A27DB-BD31-4B8C-83A1-F6EECF244321}">
-                <p14:modId xmlns:p14="http://schemas.microsoft.com/office/powerpoint/2010/main" val="1752730768"/>
+                <p14:modId xmlns:p14="http://schemas.microsoft.com/office/powerpoint/2010/main" val="4231309037"/>
               </p:ext>
             </p:extLst>
           </p:nvPr>
@@ -9998,7 +9946,7 @@
   <a:extraClrSchemeLst/>
   <a:extLst>
     <a:ext uri="{05A4C25C-085E-4340-85A3-A5531E510DB2}">
-      <thm15:themeFamily xmlns:thm15="http://schemas.microsoft.com/office/thememl/2012/main" name="Office Theme" id="{62F939B6-93AF-4DB8-9C6B-D6C7DFDC589F}" vid="{4A3C46E8-61CC-4603-A589-7422A47A8E4A}"/>
+      <thm15:themeFamily xmlns="" xmlns:thm15="http://schemas.microsoft.com/office/thememl/2012/main" name="Office Theme" id="{62F939B6-93AF-4DB8-9C6B-D6C7DFDC589F}" vid="{4A3C46E8-61CC-4603-A589-7422A47A8E4A}"/>
     </a:ext>
   </a:extLst>
 </a:theme>
@@ -10259,7 +10207,7 @@
   <a:extraClrSchemeLst/>
   <a:extLst>
     <a:ext uri="{05A4C25C-085E-4340-85A3-A5531E510DB2}">
-      <thm15:themeFamily xmlns:thm15="http://schemas.microsoft.com/office/thememl/2012/main" name="Office Theme" id="{62F939B6-93AF-4DB8-9C6B-D6C7DFDC589F}" vid="{4A3C46E8-61CC-4603-A589-7422A47A8E4A}"/>
+      <thm15:themeFamily xmlns="" xmlns:thm15="http://schemas.microsoft.com/office/thememl/2012/main" name="Office Theme" id="{62F939B6-93AF-4DB8-9C6B-D6C7DFDC589F}" vid="{4A3C46E8-61CC-4603-A589-7422A47A8E4A}"/>
     </a:ext>
   </a:extLst>
 </a:theme>
@@ -10520,7 +10468,7 @@
   <a:extraClrSchemeLst/>
   <a:extLst>
     <a:ext uri="{05A4C25C-085E-4340-85A3-A5531E510DB2}">
-      <thm15:themeFamily xmlns:thm15="http://schemas.microsoft.com/office/thememl/2012/main" name="Office Theme" id="{62F939B6-93AF-4DB8-9C6B-D6C7DFDC589F}" vid="{4A3C46E8-61CC-4603-A589-7422A47A8E4A}"/>
+      <thm15:themeFamily xmlns="" xmlns:thm15="http://schemas.microsoft.com/office/thememl/2012/main" name="Office Theme" id="{62F939B6-93AF-4DB8-9C6B-D6C7DFDC589F}" vid="{4A3C46E8-61CC-4603-A589-7422A47A8E4A}"/>
     </a:ext>
   </a:extLst>
 </a:theme>
